--- a/HHZ_farbenFROH.pptx
+++ b/HHZ_farbenFROH.pptx
@@ -5,24 +5,23 @@
     <p:sldMasterId id="2147483767" r:id="rId1"/>
   </p:sldMasterIdLst>
   <p:notesMasterIdLst>
-    <p:notesMasterId r:id="rId9"/>
+    <p:notesMasterId r:id="rId8"/>
   </p:notesMasterIdLst>
   <p:handoutMasterIdLst>
-    <p:handoutMasterId r:id="rId10"/>
+    <p:handoutMasterId r:id="rId9"/>
   </p:handoutMasterIdLst>
   <p:sldIdLst>
     <p:sldId id="379" r:id="rId2"/>
-    <p:sldId id="389" r:id="rId3"/>
-    <p:sldId id="388" r:id="rId4"/>
-    <p:sldId id="396" r:id="rId5"/>
-    <p:sldId id="390" r:id="rId6"/>
-    <p:sldId id="391" r:id="rId7"/>
-    <p:sldId id="386" r:id="rId8"/>
+    <p:sldId id="388" r:id="rId3"/>
+    <p:sldId id="396" r:id="rId4"/>
+    <p:sldId id="390" r:id="rId5"/>
+    <p:sldId id="391" r:id="rId6"/>
+    <p:sldId id="386" r:id="rId7"/>
   </p:sldIdLst>
   <p:sldSz cx="9144000" cy="6858000" type="screen4x3"/>
   <p:notesSz cx="7099300" cy="10234613"/>
   <p:custDataLst>
-    <p:tags r:id="rId11"/>
+    <p:tags r:id="rId10"/>
   </p:custDataLst>
   <p:defaultTextStyle>
     <a:defPPr>
@@ -5247,7 +5246,7 @@
           <a:graphicData uri="http://schemas.openxmlformats.org/presentationml/2006/ole">
             <mc:AlternateContent xmlns:mc="http://schemas.openxmlformats.org/markup-compatibility/2006">
               <mc:Choice xmlns:v="urn:schemas-microsoft-com:vml" Requires="v">
-                <p:oleObj spid="_x0000_s239699" name="think-cell Folie" r:id="rId5" imgW="360" imgH="360" progId="TCLayout.ActiveDocument.1">
+                <p:oleObj spid="_x0000_s239701" name="think-cell Folie" r:id="rId5" imgW="360" imgH="360" progId="TCLayout.ActiveDocument.1">
                   <p:embed/>
                 </p:oleObj>
               </mc:Choice>
@@ -6270,7 +6269,7 @@
           <a:graphicData uri="http://schemas.openxmlformats.org/presentationml/2006/ole">
             <mc:AlternateContent xmlns:mc="http://schemas.openxmlformats.org/markup-compatibility/2006">
               <mc:Choice xmlns:v="urn:schemas-microsoft-com:vml" Requires="v">
-                <p:oleObj spid="_x0000_s298067" name="think-cell Folie" r:id="rId6" imgW="360" imgH="360" progId="TCLayout.ActiveDocument.1">
+                <p:oleObj spid="_x0000_s298069" name="think-cell Folie" r:id="rId6" imgW="360" imgH="360" progId="TCLayout.ActiveDocument.1">
                   <p:embed/>
                 </p:oleObj>
               </mc:Choice>
@@ -8942,6 +8941,36 @@
           <a:chExt cx="0" cy="0"/>
         </a:xfrm>
       </p:grpSpPr>
+      <p:pic>
+        <p:nvPicPr>
+          <p:cNvPr id="5" name="Grafik 4"/>
+          <p:cNvPicPr>
+            <a:picLocks noChangeAspect="1"/>
+          </p:cNvPicPr>
+          <p:nvPr/>
+        </p:nvPicPr>
+        <p:blipFill>
+          <a:blip r:embed="rId5">
+            <a:extLst>
+              <a:ext uri="{28A0092B-C50C-407E-A947-70E740481C1C}">
+                <a14:useLocalDpi xmlns:a14="http://schemas.microsoft.com/office/drawing/2010/main" val="0"/>
+              </a:ext>
+            </a:extLst>
+          </a:blip>
+          <a:stretch>
+            <a:fillRect/>
+          </a:stretch>
+        </p:blipFill>
+        <p:spPr>
+          <a:xfrm>
+            <a:off x="1" y="-125046"/>
+            <a:ext cx="9144000" cy="7084168"/>
+          </a:xfrm>
+          <a:prstGeom prst="rect">
+            <a:avLst/>
+          </a:prstGeom>
+        </p:spPr>
+      </p:pic>
       <p:graphicFrame>
         <p:nvGraphicFramePr>
           <p:cNvPr id="14384" name="Object 48" hidden="1"/>
@@ -8962,12 +8991,12 @@
           <a:graphicData uri="http://schemas.openxmlformats.org/presentationml/2006/ole">
             <mc:AlternateContent xmlns:mc="http://schemas.openxmlformats.org/markup-compatibility/2006">
               <mc:Choice xmlns:v="urn:schemas-microsoft-com:vml" Requires="v">
-                <p:oleObj spid="_x0000_s303148" name="think-cell Folie" r:id="rId5" imgW="360" imgH="360" progId="TCLayout.ActiveDocument.1">
+                <p:oleObj spid="_x0000_s303150" name="think-cell Folie" r:id="rId6" imgW="360" imgH="360" progId="TCLayout.ActiveDocument.1">
                   <p:embed/>
                 </p:oleObj>
               </mc:Choice>
               <mc:Fallback>
-                <p:oleObj name="think-cell Folie" r:id="rId5" imgW="360" imgH="360" progId="TCLayout.ActiveDocument.1">
+                <p:oleObj name="think-cell Folie" r:id="rId6" imgW="360" imgH="360" progId="TCLayout.ActiveDocument.1">
                   <p:embed/>
                   <p:pic>
                     <p:nvPicPr>
@@ -8978,7 +9007,7 @@
                       <p:nvPr/>
                     </p:nvPicPr>
                     <p:blipFill>
-                      <a:blip r:embed="rId6">
+                      <a:blip r:embed="rId7">
                         <a:extLst>
                           <a:ext uri="{28A0092B-C50C-407E-A947-70E740481C1C}">
                             <a14:useLocalDpi xmlns:a14="http://schemas.microsoft.com/office/drawing/2010/main" val="0"/>
@@ -9031,6 +9060,9 @@
             <a:off x="300875" y="1942771"/>
             <a:ext cx="8763000" cy="2585323"/>
           </a:xfrm>
+          <a:ln>
+            <a:noFill/>
+          </a:ln>
         </p:spPr>
         <p:txBody>
           <a:bodyPr>
@@ -9044,16 +9076,63 @@
               </a:lnSpc>
             </a:pPr>
             <a:r>
-              <a:rPr lang="de-DE" sz="6000" dirty="0"/>
+              <a:rPr lang="de-DE" sz="6000" dirty="0">
+                <a:effectLst>
+                  <a:glow rad="12700">
+                    <a:schemeClr val="accent1">
+                      <a:alpha val="40000"/>
+                    </a:schemeClr>
+                  </a:glow>
+                  <a:outerShdw blurRad="50800" dist="50800" dir="5400000" algn="ctr" rotWithShape="0">
+                    <a:srgbClr val="000000">
+                      <a:alpha val="99000"/>
+                    </a:srgbClr>
+                  </a:outerShdw>
+                </a:effectLst>
+              </a:rPr>
               <a:t>Internet </a:t>
             </a:r>
             <a:r>
-              <a:rPr lang="de-DE" sz="6000" dirty="0" err="1"/>
+              <a:rPr lang="de-DE" sz="6000" dirty="0" err="1">
+                <a:effectLst>
+                  <a:glow rad="12700">
+                    <a:schemeClr val="accent1">
+                      <a:alpha val="40000"/>
+                    </a:schemeClr>
+                  </a:glow>
+                  <a:outerShdw blurRad="50800" dist="50800" dir="5400000" algn="ctr" rotWithShape="0">
+                    <a:srgbClr val="000000">
+                      <a:alpha val="99000"/>
+                    </a:srgbClr>
+                  </a:outerShdw>
+                </a:effectLst>
+              </a:rPr>
               <a:t>of</a:t>
             </a:r>
             <a:r>
-              <a:rPr lang="de-DE" sz="6000" dirty="0"/>
+              <a:rPr lang="de-DE" sz="6000" dirty="0">
+                <a:effectLst>
+                  <a:glow rad="12700">
+                    <a:schemeClr val="accent1">
+                      <a:alpha val="40000"/>
+                    </a:schemeClr>
+                  </a:glow>
+                  <a:outerShdw blurRad="50800" dist="50800" dir="5400000" algn="ctr" rotWithShape="0">
+                    <a:srgbClr val="000000">
+                      <a:alpha val="99000"/>
+                    </a:srgbClr>
+                  </a:outerShdw>
+                </a:effectLst>
+              </a:rPr>
               <a:t> Things</a:t>
+            </a:r>
+            <a:r>
+              <a:rPr lang="de-DE" sz="4000" dirty="0">
+                <a:solidFill>
+                  <a:schemeClr val="tx1"/>
+                </a:solidFill>
+              </a:rPr>
+              <a:t/>
             </a:r>
             <a:br>
               <a:rPr lang="de-DE" sz="4000" dirty="0">
@@ -9062,6 +9141,14 @@
                 </a:solidFill>
               </a:rPr>
             </a:br>
+            <a:r>
+              <a:rPr lang="de-DE" sz="4000" dirty="0">
+                <a:solidFill>
+                  <a:schemeClr val="tx1"/>
+                </a:solidFill>
+              </a:rPr>
+              <a:t/>
+            </a:r>
             <a:br>
               <a:rPr lang="de-DE" sz="4000" dirty="0">
                 <a:solidFill>
@@ -9072,47 +9159,89 @@
             <a:r>
               <a:rPr lang="de-DE" sz="3200" dirty="0">
                 <a:solidFill>
-                  <a:schemeClr val="tx1"/>
+                  <a:schemeClr val="bg1"/>
                 </a:solidFill>
+                <a:effectLst>
+                  <a:outerShdw blurRad="50800" dist="50800" dir="5400000" algn="ctr" rotWithShape="0">
+                    <a:srgbClr val="000000">
+                      <a:alpha val="99000"/>
+                    </a:srgbClr>
+                  </a:outerShdw>
+                </a:effectLst>
               </a:rPr>
               <a:t>Anna </a:t>
             </a:r>
             <a:r>
               <a:rPr lang="de-DE" sz="3200" dirty="0" err="1">
                 <a:solidFill>
-                  <a:schemeClr val="tx1"/>
+                  <a:schemeClr val="bg1"/>
                 </a:solidFill>
+                <a:effectLst>
+                  <a:outerShdw blurRad="50800" dist="50800" dir="5400000" algn="ctr" rotWithShape="0">
+                    <a:srgbClr val="000000">
+                      <a:alpha val="99000"/>
+                    </a:srgbClr>
+                  </a:outerShdw>
+                </a:effectLst>
               </a:rPr>
               <a:t>Gorr</a:t>
             </a:r>
             <a:r>
               <a:rPr lang="de-DE" sz="3200" dirty="0">
                 <a:solidFill>
-                  <a:schemeClr val="tx1"/>
+                  <a:schemeClr val="bg1"/>
                 </a:solidFill>
+                <a:effectLst>
+                  <a:outerShdw blurRad="50800" dist="50800" dir="5400000" algn="ctr" rotWithShape="0">
+                    <a:srgbClr val="000000">
+                      <a:alpha val="99000"/>
+                    </a:srgbClr>
+                  </a:outerShdw>
+                </a:effectLst>
               </a:rPr>
               <a:t>, Peter </a:t>
             </a:r>
             <a:r>
               <a:rPr lang="de-DE" sz="3200" dirty="0" err="1">
                 <a:solidFill>
-                  <a:schemeClr val="tx1"/>
+                  <a:schemeClr val="bg1"/>
                 </a:solidFill>
+                <a:effectLst>
+                  <a:outerShdw blurRad="50800" dist="50800" dir="5400000" algn="ctr" rotWithShape="0">
+                    <a:srgbClr val="000000">
+                      <a:alpha val="99000"/>
+                    </a:srgbClr>
+                  </a:outerShdw>
+                </a:effectLst>
               </a:rPr>
               <a:t>Kühfuß</a:t>
             </a:r>
             <a:r>
               <a:rPr lang="de-DE" sz="3200" dirty="0">
                 <a:solidFill>
-                  <a:schemeClr val="tx1"/>
+                  <a:schemeClr val="bg1"/>
                 </a:solidFill>
+                <a:effectLst>
+                  <a:outerShdw blurRad="50800" dist="50800" dir="5400000" algn="ctr" rotWithShape="0">
+                    <a:srgbClr val="000000">
+                      <a:alpha val="99000"/>
+                    </a:srgbClr>
+                  </a:outerShdw>
+                </a:effectLst>
               </a:rPr>
               <a:t>, Natascha Sigle, Johannes Wanner</a:t>
             </a:r>
             <a:endParaRPr sz="3200" dirty="0">
               <a:solidFill>
-                <a:schemeClr val="tx1"/>
+                <a:schemeClr val="bg1"/>
               </a:solidFill>
+              <a:effectLst>
+                <a:outerShdw blurRad="50800" dist="50800" dir="5400000" algn="ctr" rotWithShape="0">
+                  <a:srgbClr val="000000">
+                    <a:alpha val="99000"/>
+                  </a:srgbClr>
+                </a:outerShdw>
+              </a:effectLst>
             </a:endParaRPr>
           </a:p>
         </p:txBody>
@@ -9157,6 +9286,13 @@
   <p:clrMapOvr>
     <a:masterClrMapping/>
   </p:clrMapOvr>
+  <p:timing>
+    <p:tnLst>
+      <p:par>
+        <p:cTn id="1" dur="indefinite" restart="never" nodeType="tmRoot"/>
+      </p:par>
+    </p:tnLst>
+  </p:timing>
 </p:sld>
 </file>
 
@@ -9177,15 +9313,143 @@
           <a:chExt cx="0" cy="0"/>
         </a:xfrm>
       </p:grpSpPr>
+      <p:sp>
+        <p:nvSpPr>
+          <p:cNvPr id="2" name="Titel 1"/>
+          <p:cNvSpPr>
+            <a:spLocks noGrp="1"/>
+          </p:cNvSpPr>
+          <p:nvPr>
+            <p:ph type="title"/>
+          </p:nvPr>
+        </p:nvSpPr>
+        <p:spPr/>
+        <p:txBody>
+          <a:bodyPr/>
+          <a:lstStyle/>
+          <a:p>
+            <a:r>
+              <a:rPr lang="de-DE" dirty="0"/>
+              <a:t>Konzeptidee</a:t>
+            </a:r>
+          </a:p>
+        </p:txBody>
+      </p:sp>
+      <p:sp>
+        <p:nvSpPr>
+          <p:cNvPr id="3" name="Inhaltsplatzhalter 2"/>
+          <p:cNvSpPr>
+            <a:spLocks noGrp="1"/>
+          </p:cNvSpPr>
+          <p:nvPr>
+            <p:ph idx="1"/>
+          </p:nvPr>
+        </p:nvSpPr>
+        <p:spPr>
+          <a:xfrm>
+            <a:off x="628650" y="1690689"/>
+            <a:ext cx="7886700" cy="4486274"/>
+          </a:xfrm>
+        </p:spPr>
+        <p:txBody>
+          <a:bodyPr>
+            <a:normAutofit/>
+          </a:bodyPr>
+          <a:lstStyle/>
+          <a:p>
+            <a:r>
+              <a:rPr lang="de-DE" dirty="0" err="1"/>
+              <a:t>IoT</a:t>
+            </a:r>
+            <a:r>
+              <a:rPr lang="de-DE" dirty="0"/>
+              <a:t>-Infrastruktur für Temperatur, CO2-Gehalt und Luftfeuchtigkeit Sensoren im Raum 125 sind bereits vorhanden</a:t>
+            </a:r>
+          </a:p>
+          <a:p>
+            <a:r>
+              <a:rPr lang="de-DE" dirty="0"/>
+              <a:t>Kein aktives Eingreifen zur Sensorauswertung notwendig</a:t>
+            </a:r>
+          </a:p>
+          <a:p>
+            <a:r>
+              <a:rPr lang="de-DE" dirty="0"/>
+              <a:t>Indirekte Handlungsanweisung</a:t>
+            </a:r>
+          </a:p>
+          <a:p>
+            <a:endParaRPr lang="de-DE" dirty="0"/>
+          </a:p>
+          <a:p>
+            <a:r>
+              <a:rPr lang="de-DE" dirty="0"/>
+              <a:t>Lehr- und Lernumgebung angenehm gestalten</a:t>
+            </a:r>
+          </a:p>
+          <a:p>
+            <a:pPr lvl="1"/>
+            <a:r>
+              <a:rPr lang="de-DE" dirty="0" smtClean="0"/>
+              <a:t>angenehme </a:t>
+            </a:r>
+            <a:r>
+              <a:rPr lang="de-DE" dirty="0"/>
+              <a:t>Temperatur (20°C bis 26°C)</a:t>
+            </a:r>
+          </a:p>
+          <a:p>
+            <a:pPr lvl="1"/>
+            <a:r>
+              <a:rPr lang="de-DE" dirty="0"/>
+              <a:t>niedrigen CO2 Gehalt (unter 1.000ppm)</a:t>
+            </a:r>
+          </a:p>
+          <a:p>
+            <a:pPr lvl="1"/>
+            <a:r>
+              <a:rPr lang="de-DE" dirty="0"/>
+              <a:t>optimale Luftfeuchtigkeit (40% bis 60%)</a:t>
+            </a:r>
+          </a:p>
+          <a:p>
+            <a:endParaRPr lang="de-DE" dirty="0"/>
+          </a:p>
+        </p:txBody>
+      </p:sp>
+      <p:sp>
+        <p:nvSpPr>
+          <p:cNvPr id="4" name="Foliennummernplatzhalter 3"/>
+          <p:cNvSpPr>
+            <a:spLocks noGrp="1"/>
+          </p:cNvSpPr>
+          <p:nvPr>
+            <p:ph type="sldNum" sz="quarter" idx="12"/>
+          </p:nvPr>
+        </p:nvSpPr>
+        <p:spPr/>
+        <p:txBody>
+          <a:bodyPr/>
+          <a:lstStyle/>
+          <a:p>
+            <a:fld id="{71B5F043-C5C9-4543-B156-099DED57FF04}" type="slidenum">
+              <a:rPr lang="de-DE" smtClean="0"/>
+              <a:pPr/>
+              <a:t>2</a:t>
+            </a:fld>
+            <a:endParaRPr lang="de-DE" dirty="0"/>
+          </a:p>
+        </p:txBody>
+      </p:sp>
       <p:pic>
         <p:nvPicPr>
-          <p:cNvPr id="4" name="Grafik 3"/>
+          <p:cNvPr id="6" name="Grafik 5"/>
           <p:cNvPicPr>
             <a:picLocks noChangeAspect="1"/>
           </p:cNvPicPr>
           <p:nvPr/>
         </p:nvPicPr>
-        <p:blipFill>
+        <p:blipFill rotWithShape="1">
           <a:blip r:embed="rId2">
             <a:extLst>
               <a:ext uri="{28A0092B-C50C-407E-A947-70E740481C1C}">
@@ -9193,14 +9457,13 @@
               </a:ext>
             </a:extLst>
           </a:blip>
-          <a:stretch>
-            <a:fillRect/>
-          </a:stretch>
+          <a:srcRect l="3677" t="6459" r="3529" b="5958"/>
+          <a:stretch/>
         </p:blipFill>
         <p:spPr>
           <a:xfrm>
-            <a:off x="1" y="-125046"/>
-            <a:ext cx="9144000" cy="7084168"/>
+            <a:off x="329452" y="1427240"/>
+            <a:ext cx="8485095" cy="4504765"/>
           </a:xfrm>
           <a:prstGeom prst="rect">
             <a:avLst/>
@@ -9210,13 +9473,20 @@
     </p:spTree>
     <p:extLst>
       <p:ext uri="{BB962C8B-B14F-4D97-AF65-F5344CB8AC3E}">
-        <p14:creationId xmlns:p14="http://schemas.microsoft.com/office/powerpoint/2010/main" val="221850389"/>
+        <p14:creationId xmlns:p14="http://schemas.microsoft.com/office/powerpoint/2010/main" val="1399446501"/>
       </p:ext>
     </p:extLst>
   </p:cSld>
   <p:clrMapOvr>
     <a:masterClrMapping/>
   </p:clrMapOvr>
+  <p:timing>
+    <p:tnLst>
+      <p:par>
+        <p:cTn id="1" dur="indefinite" restart="never" nodeType="tmRoot"/>
+      </p:par>
+    </p:tnLst>
+  </p:timing>
 </p:sld>
 </file>
 
@@ -9254,7 +9524,7 @@
           <a:p>
             <a:r>
               <a:rPr lang="de-DE" dirty="0"/>
-              <a:t>Konzeptidee</a:t>
+              <a:t>Geschäftsrelevanter Beitrag</a:t>
             </a:r>
           </a:p>
         </p:txBody>
@@ -9269,37 +9539,42 @@
             <p:ph idx="1"/>
           </p:nvPr>
         </p:nvSpPr>
-        <p:spPr>
-          <a:xfrm>
-            <a:off x="628650" y="1690689"/>
-            <a:ext cx="7886700" cy="4486274"/>
-          </a:xfrm>
-        </p:spPr>
+        <p:spPr/>
         <p:txBody>
-          <a:bodyPr>
-            <a:normAutofit fontScale="92500" lnSpcReduction="10000"/>
-          </a:bodyPr>
+          <a:bodyPr/>
           <a:lstStyle/>
           <a:p>
             <a:r>
-              <a:rPr lang="de-DE" dirty="0" err="1"/>
-              <a:t>IoT</a:t>
-            </a:r>
-            <a:r>
               <a:rPr lang="de-DE" dirty="0"/>
-              <a:t>-Infrastruktur für Temperatur, CO2-Gehalt und Luftfeuchtigkeit Sensoren im Raum 125 sind bereits vorhanden</a:t>
-            </a:r>
-          </a:p>
-          <a:p>
+              <a:t>HHZ</a:t>
+            </a:r>
+          </a:p>
+          <a:p>
+            <a:pPr lvl="1"/>
             <a:r>
               <a:rPr lang="de-DE" dirty="0"/>
-              <a:t>Kein aktives Eingreifen zur Sensorauswertung notwendig</a:t>
-            </a:r>
-          </a:p>
-          <a:p>
+              <a:t>Optimale Lehr-, Lern- und Projektumgebung schaffen</a:t>
+            </a:r>
+          </a:p>
+          <a:p>
+            <a:pPr lvl="1"/>
             <a:r>
               <a:rPr lang="de-DE" dirty="0"/>
-              <a:t>Indirekte Handlungsanweisung</a:t>
+              <a:t>Raumqualität verbessern</a:t>
+            </a:r>
+          </a:p>
+          <a:p>
+            <a:pPr lvl="1"/>
+            <a:r>
+              <a:rPr lang="de-DE" dirty="0"/>
+              <a:t>Lernqualität zu verbessern</a:t>
+            </a:r>
+          </a:p>
+          <a:p>
+            <a:pPr lvl="1"/>
+            <a:r>
+              <a:rPr lang="de-DE" dirty="0"/>
+              <a:t>Zeitlichen Verlauf dokumentieren</a:t>
             </a:r>
           </a:p>
           <a:p>
@@ -9308,58 +9583,21 @@
           <a:p>
             <a:r>
               <a:rPr lang="de-DE" dirty="0"/>
-              <a:t>Lehr- und Lernumgebung angenehm gestalten</a:t>
+              <a:t>Firmen</a:t>
             </a:r>
           </a:p>
           <a:p>
             <a:pPr lvl="1"/>
             <a:r>
               <a:rPr lang="de-DE" dirty="0"/>
-              <a:t>angehnehme Temperatur (20°C bis 26°C)</a:t>
+              <a:t>Arbeitsleistung von Mitarbeitern verbessern</a:t>
             </a:r>
           </a:p>
           <a:p>
             <a:pPr lvl="1"/>
             <a:r>
               <a:rPr lang="de-DE" dirty="0"/>
-              <a:t>niedrigen CO2 Gehalt (unter 1.000ppm)</a:t>
-            </a:r>
-          </a:p>
-          <a:p>
-            <a:pPr lvl="1"/>
-            <a:r>
-              <a:rPr lang="de-DE" dirty="0"/>
-              <a:t>optimale Luftfeuchtigkeit (40% bis 60%)</a:t>
-            </a:r>
-          </a:p>
-          <a:p>
-            <a:endParaRPr lang="de-DE" dirty="0"/>
-          </a:p>
-          <a:p>
-            <a:r>
-              <a:rPr lang="de-DE" dirty="0"/>
-              <a:t>MVP</a:t>
-            </a:r>
-          </a:p>
-          <a:p>
-            <a:pPr lvl="1"/>
-            <a:r>
-              <a:rPr lang="de-DE" dirty="0"/>
-              <a:t>ganzheitliche Verbindung zwischen den einzelnen Komponenten</a:t>
-            </a:r>
-          </a:p>
-          <a:p>
-            <a:pPr lvl="1"/>
-            <a:r>
-              <a:rPr lang="de-DE" dirty="0"/>
-              <a:t>Rückmeldung in Farben anhand definierten Regeln</a:t>
-            </a:r>
-          </a:p>
-          <a:p>
-            <a:pPr lvl="1"/>
-            <a:r>
-              <a:rPr lang="de-DE" dirty="0"/>
-              <a:t>Umgebungsqualität anhand einer Lampe farblich darstellen</a:t>
+              <a:t>Effiziente Pausenlegung</a:t>
             </a:r>
           </a:p>
         </p:txBody>
@@ -9391,13 +9629,20 @@
     </p:spTree>
     <p:extLst>
       <p:ext uri="{BB962C8B-B14F-4D97-AF65-F5344CB8AC3E}">
-        <p14:creationId xmlns:p14="http://schemas.microsoft.com/office/powerpoint/2010/main" val="1399446501"/>
+        <p14:creationId xmlns:p14="http://schemas.microsoft.com/office/powerpoint/2010/main" val="2969343884"/>
       </p:ext>
     </p:extLst>
   </p:cSld>
   <p:clrMapOvr>
     <a:masterClrMapping/>
   </p:clrMapOvr>
+  <p:timing>
+    <p:tnLst>
+      <p:par>
+        <p:cTn id="1" dur="indefinite" restart="never" nodeType="tmRoot"/>
+      </p:par>
+    </p:tnLst>
+  </p:timing>
 </p:sld>
 </file>
 
@@ -9435,80 +9680,7 @@
           <a:p>
             <a:r>
               <a:rPr lang="de-DE" dirty="0"/>
-              <a:t>Geschäftsrelevanter Beitrag</a:t>
-            </a:r>
-          </a:p>
-        </p:txBody>
-      </p:sp>
-      <p:sp>
-        <p:nvSpPr>
-          <p:cNvPr id="3" name="Inhaltsplatzhalter 2"/>
-          <p:cNvSpPr>
-            <a:spLocks noGrp="1"/>
-          </p:cNvSpPr>
-          <p:nvPr>
-            <p:ph idx="1"/>
-          </p:nvPr>
-        </p:nvSpPr>
-        <p:spPr/>
-        <p:txBody>
-          <a:bodyPr/>
-          <a:lstStyle/>
-          <a:p>
-            <a:r>
-              <a:rPr lang="de-DE" dirty="0"/>
-              <a:t>HHZ</a:t>
-            </a:r>
-          </a:p>
-          <a:p>
-            <a:pPr lvl="1"/>
-            <a:r>
-              <a:rPr lang="de-DE" dirty="0"/>
-              <a:t>Optimale Lehr-, Lern- und Projektumgebung schaffen</a:t>
-            </a:r>
-          </a:p>
-          <a:p>
-            <a:pPr lvl="1"/>
-            <a:r>
-              <a:rPr lang="de-DE" dirty="0"/>
-              <a:t>Raumqualität verbessern</a:t>
-            </a:r>
-          </a:p>
-          <a:p>
-            <a:pPr lvl="1"/>
-            <a:r>
-              <a:rPr lang="de-DE" dirty="0"/>
-              <a:t>Lernqualität zu verbessern</a:t>
-            </a:r>
-          </a:p>
-          <a:p>
-            <a:pPr lvl="1"/>
-            <a:r>
-              <a:rPr lang="de-DE" dirty="0"/>
-              <a:t>Zeitlichen Verlauf dokumentieren</a:t>
-            </a:r>
-          </a:p>
-          <a:p>
-            <a:endParaRPr lang="de-DE" dirty="0"/>
-          </a:p>
-          <a:p>
-            <a:r>
-              <a:rPr lang="de-DE" dirty="0"/>
-              <a:t>Firmen</a:t>
-            </a:r>
-          </a:p>
-          <a:p>
-            <a:pPr lvl="1"/>
-            <a:r>
-              <a:rPr lang="de-DE" dirty="0"/>
-              <a:t>Arbeitsleistung von Mitarbeitern verbessern</a:t>
-            </a:r>
-          </a:p>
-          <a:p>
-            <a:pPr lvl="1"/>
-            <a:r>
-              <a:rPr lang="de-DE" dirty="0"/>
-              <a:t>Effiziente Pausenlegung</a:t>
+              <a:t>Implementierung</a:t>
             </a:r>
           </a:p>
         </p:txBody>
@@ -9537,88 +9709,12 @@
           </a:p>
         </p:txBody>
       </p:sp>
-    </p:spTree>
-    <p:extLst>
-      <p:ext uri="{BB962C8B-B14F-4D97-AF65-F5344CB8AC3E}">
-        <p14:creationId xmlns:p14="http://schemas.microsoft.com/office/powerpoint/2010/main" val="2969343884"/>
-      </p:ext>
-    </p:extLst>
-  </p:cSld>
-  <p:clrMapOvr>
-    <a:masterClrMapping/>
-  </p:clrMapOvr>
-</p:sld>
-</file>
-
-<file path=ppt/slides/slide5.xml><?xml version="1.0" encoding="utf-8"?>
-<p:sld xmlns:a="http://schemas.openxmlformats.org/drawingml/2006/main" xmlns:r="http://schemas.openxmlformats.org/officeDocument/2006/relationships" xmlns:p="http://schemas.openxmlformats.org/presentationml/2006/main">
-  <p:cSld>
-    <p:spTree>
-      <p:nvGrpSpPr>
-        <p:cNvPr id="1" name=""/>
-        <p:cNvGrpSpPr/>
-        <p:nvPr/>
-      </p:nvGrpSpPr>
-      <p:grpSpPr>
-        <a:xfrm>
-          <a:off x="0" y="0"/>
-          <a:ext cx="0" cy="0"/>
-          <a:chOff x="0" y="0"/>
-          <a:chExt cx="0" cy="0"/>
-        </a:xfrm>
-      </p:grpSpPr>
-      <p:sp>
-        <p:nvSpPr>
-          <p:cNvPr id="2" name="Titel 1"/>
-          <p:cNvSpPr>
-            <a:spLocks noGrp="1"/>
-          </p:cNvSpPr>
-          <p:nvPr>
-            <p:ph type="title"/>
-          </p:nvPr>
-        </p:nvSpPr>
-        <p:spPr/>
-        <p:txBody>
-          <a:bodyPr/>
-          <a:lstStyle/>
-          <a:p>
-            <a:r>
-              <a:rPr lang="de-DE" dirty="0"/>
-              <a:t>Implementierung</a:t>
-            </a:r>
-          </a:p>
-        </p:txBody>
-      </p:sp>
-      <p:sp>
-        <p:nvSpPr>
-          <p:cNvPr id="4" name="Foliennummernplatzhalter 3"/>
-          <p:cNvSpPr>
-            <a:spLocks noGrp="1"/>
-          </p:cNvSpPr>
-          <p:nvPr>
-            <p:ph type="sldNum" sz="quarter" idx="12"/>
-          </p:nvPr>
-        </p:nvSpPr>
-        <p:spPr/>
-        <p:txBody>
-          <a:bodyPr/>
-          <a:lstStyle/>
-          <a:p>
-            <a:fld id="{71B5F043-C5C9-4543-B156-099DED57FF04}" type="slidenum">
-              <a:rPr lang="de-DE" smtClean="0"/>
-              <a:pPr/>
-              <a:t>5</a:t>
-            </a:fld>
-            <a:endParaRPr lang="de-DE" dirty="0"/>
-          </a:p>
-        </p:txBody>
-      </p:sp>
       <p:pic>
         <p:nvPicPr>
           <p:cNvPr id="305154" name="Picture 2" descr="iot-aufbau">
             <a:extLst>
               <a:ext uri="{FF2B5EF4-FFF2-40B4-BE49-F238E27FC236}">
-                <a16:creationId xmlns:a16="http://schemas.microsoft.com/office/drawing/2014/main" id="{DCC8156A-2424-432A-B7FE-1C070C23C24F}"/>
+                <a16:creationId xmlns:a16="http://schemas.microsoft.com/office/drawing/2014/main" xmlns="" id="{DCC8156A-2424-432A-B7FE-1C070C23C24F}"/>
               </a:ext>
             </a:extLst>
           </p:cNvPr>
@@ -9672,10 +9768,17 @@
   <p:clrMapOvr>
     <a:masterClrMapping/>
   </p:clrMapOvr>
+  <p:timing>
+    <p:tnLst>
+      <p:par>
+        <p:cTn id="1" dur="indefinite" restart="never" nodeType="tmRoot"/>
+      </p:par>
+    </p:tnLst>
+  </p:timing>
 </p:sld>
 </file>
 
-<file path=ppt/slides/slide6.xml><?xml version="1.0" encoding="utf-8"?>
+<file path=ppt/slides/slide5.xml><?xml version="1.0" encoding="utf-8"?>
 <p:sld xmlns:a="http://schemas.openxmlformats.org/drawingml/2006/main" xmlns:r="http://schemas.openxmlformats.org/officeDocument/2006/relationships" xmlns:p="http://schemas.openxmlformats.org/presentationml/2006/main">
   <p:cSld>
     <p:spTree>
@@ -9732,7 +9835,7 @@
             <a:fld id="{71B5F043-C5C9-4543-B156-099DED57FF04}" type="slidenum">
               <a:rPr lang="de-DE" smtClean="0"/>
               <a:pPr/>
-              <a:t>6</a:t>
+              <a:t>5</a:t>
             </a:fld>
             <a:endParaRPr lang="de-DE" dirty="0"/>
           </a:p>
@@ -9743,7 +9846,7 @@
           <p:cNvPr id="304130" name="Picture 2" descr="FarbZuordnung.jpg">
             <a:extLst>
               <a:ext uri="{FF2B5EF4-FFF2-40B4-BE49-F238E27FC236}">
-                <a16:creationId xmlns:a16="http://schemas.microsoft.com/office/drawing/2014/main" id="{E0375947-3886-4873-BB6F-8F940E9BE974}"/>
+                <a16:creationId xmlns:a16="http://schemas.microsoft.com/office/drawing/2014/main" xmlns="" id="{E0375947-3886-4873-BB6F-8F940E9BE974}"/>
               </a:ext>
             </a:extLst>
           </p:cNvPr>
@@ -9795,10 +9898,17 @@
   <p:clrMapOvr>
     <a:masterClrMapping/>
   </p:clrMapOvr>
+  <p:timing>
+    <p:tnLst>
+      <p:par>
+        <p:cTn id="1" dur="indefinite" restart="never" nodeType="tmRoot"/>
+      </p:par>
+    </p:tnLst>
+  </p:timing>
 </p:sld>
 </file>
 
-<file path=ppt/slides/slide7.xml><?xml version="1.0" encoding="utf-8"?>
+<file path=ppt/slides/slide6.xml><?xml version="1.0" encoding="utf-8"?>
 <p:sld xmlns:a="http://schemas.openxmlformats.org/drawingml/2006/main" xmlns:r="http://schemas.openxmlformats.org/officeDocument/2006/relationships" xmlns:p="http://schemas.openxmlformats.org/presentationml/2006/main">
   <p:cSld>
     <p:bg>
@@ -9839,7 +9949,11 @@
           <a:lstStyle/>
           <a:p>
             <a:r>
-              <a:rPr lang="de-DE" dirty="0"/>
+              <a:rPr lang="de-DE" dirty="0">
+                <a:solidFill>
+                  <a:schemeClr val="tx1"/>
+                </a:solidFill>
+              </a:rPr>
               <a:t>Vielen Dank</a:t>
             </a:r>
           </a:p>
@@ -9850,7 +9964,7 @@
           <p:cNvPr id="2" name="Textfeld 1">
             <a:extLst>
               <a:ext uri="{FF2B5EF4-FFF2-40B4-BE49-F238E27FC236}">
-                <a16:creationId xmlns:a16="http://schemas.microsoft.com/office/drawing/2014/main" id="{7F837A41-B63B-4A8B-B4B4-3AD2365C5BC4}"/>
+                <a16:creationId xmlns:a16="http://schemas.microsoft.com/office/drawing/2014/main" xmlns="" id="{7F837A41-B63B-4A8B-B4B4-3AD2365C5BC4}"/>
               </a:ext>
             </a:extLst>
           </p:cNvPr>
@@ -9860,7 +9974,7 @@
         <p:spPr>
           <a:xfrm>
             <a:off x="594360" y="4343400"/>
-            <a:ext cx="6748272" cy="1434367"/>
+            <a:ext cx="6748272" cy="1846659"/>
           </a:xfrm>
           <a:prstGeom prst="rect">
             <a:avLst/>
@@ -9873,27 +9987,27 @@
           </a:bodyPr>
           <a:lstStyle/>
           <a:p>
-            <a:endParaRPr lang="de-DE" dirty="0"/>
-          </a:p>
-          <a:p>
-            <a:r>
-              <a:rPr lang="de-DE" dirty="0"/>
+            <a:endParaRPr lang="de-DE" sz="3600" dirty="0"/>
+          </a:p>
+          <a:p>
+            <a:r>
+              <a:rPr lang="de-DE" sz="3600" dirty="0"/>
               <a:t>Unser Repository findet Ihr unter:</a:t>
             </a:r>
           </a:p>
           <a:p>
-            <a:endParaRPr lang="de-DE" dirty="0">
+            <a:endParaRPr lang="de-DE" sz="3600" dirty="0">
               <a:hlinkClick r:id="rId2"/>
             </a:endParaRPr>
           </a:p>
           <a:p>
             <a:r>
-              <a:rPr lang="de-DE" dirty="0">
+              <a:rPr lang="de-DE" sz="3600" dirty="0">
                 <a:hlinkClick r:id="rId2"/>
               </a:rPr>
               <a:t>https://git.io/vHQCx</a:t>
             </a:r>
-            <a:endParaRPr lang="de-DE" dirty="0"/>
+            <a:endParaRPr lang="de-DE" sz="3600" dirty="0"/>
           </a:p>
         </p:txBody>
       </p:sp>
@@ -9907,6 +10021,13 @@
   <p:clrMapOvr>
     <a:masterClrMapping/>
   </p:clrMapOvr>
+  <p:timing>
+    <p:tnLst>
+      <p:par>
+        <p:cTn id="1" dur="indefinite" restart="never" nodeType="tmRoot"/>
+      </p:par>
+    </p:tnLst>
+  </p:timing>
 </p:sld>
 </file>
 
